--- a/lambda/cpp/lambda_cpp.pptx
+++ b/lambda/cpp/lambda_cpp.pptx
@@ -4,6 +4,9 @@
   <p:sldMasterIdLst>
     <p:sldMasterId id="2147483660" r:id="rId1"/>
   </p:sldMasterIdLst>
+  <p:notesMasterIdLst>
+    <p:notesMasterId r:id="rId15"/>
+  </p:notesMasterIdLst>
   <p:sldIdLst>
     <p:sldId id="259" r:id="rId2"/>
     <p:sldId id="257" r:id="rId3"/>
@@ -15,8 +18,9 @@
     <p:sldId id="281" r:id="rId9"/>
     <p:sldId id="282" r:id="rId10"/>
     <p:sldId id="283" r:id="rId11"/>
-    <p:sldId id="284" r:id="rId12"/>
-    <p:sldId id="285" r:id="rId13"/>
+    <p:sldId id="286" r:id="rId12"/>
+    <p:sldId id="284" r:id="rId13"/>
+    <p:sldId id="285" r:id="rId14"/>
   </p:sldIdLst>
   <p:sldSz cx="9144000" cy="6858000" type="screen4x3"/>
   <p:notesSz cx="6858000" cy="9144000"/>
@@ -123,6 +127,524 @@
 </p:presentation>
 </file>
 
+<file path=ppt/notesMasters/notesMaster1.xml><?xml version="1.0" encoding="utf-8"?>
+<p:notesMaster xmlns:a="http://schemas.openxmlformats.org/drawingml/2006/main" xmlns:r="http://schemas.openxmlformats.org/officeDocument/2006/relationships" xmlns:p="http://schemas.openxmlformats.org/presentationml/2006/main">
+  <p:cSld>
+    <p:bg>
+      <p:bgRef idx="1001">
+        <a:schemeClr val="bg1"/>
+      </p:bgRef>
+    </p:bg>
+    <p:spTree>
+      <p:nvGrpSpPr>
+        <p:cNvPr id="1" name=""/>
+        <p:cNvGrpSpPr/>
+        <p:nvPr/>
+      </p:nvGrpSpPr>
+      <p:grpSpPr>
+        <a:xfrm>
+          <a:off x="0" y="0"/>
+          <a:ext cx="0" cy="0"/>
+          <a:chOff x="0" y="0"/>
+          <a:chExt cx="0" cy="0"/>
+        </a:xfrm>
+      </p:grpSpPr>
+      <p:sp>
+        <p:nvSpPr>
+          <p:cNvPr id="2" name="머리글 개체 틀 1"/>
+          <p:cNvSpPr>
+            <a:spLocks noGrp="1"/>
+          </p:cNvSpPr>
+          <p:nvPr>
+            <p:ph type="hdr" sz="quarter"/>
+          </p:nvPr>
+        </p:nvSpPr>
+        <p:spPr>
+          <a:xfrm>
+            <a:off x="0" y="0"/>
+            <a:ext cx="2971800" cy="458788"/>
+          </a:xfrm>
+          <a:prstGeom prst="rect">
+            <a:avLst/>
+          </a:prstGeom>
+        </p:spPr>
+        <p:txBody>
+          <a:bodyPr vert="horz" lIns="91440" tIns="45720" rIns="91440" bIns="45720" rtlCol="0"/>
+          <a:lstStyle>
+            <a:lvl1pPr algn="l">
+              <a:defRPr sz="1200"/>
+            </a:lvl1pPr>
+          </a:lstStyle>
+          <a:p>
+            <a:endParaRPr lang="ko-KR" altLang="en-US"/>
+          </a:p>
+        </p:txBody>
+      </p:sp>
+      <p:sp>
+        <p:nvSpPr>
+          <p:cNvPr id="3" name="날짜 개체 틀 2"/>
+          <p:cNvSpPr>
+            <a:spLocks noGrp="1"/>
+          </p:cNvSpPr>
+          <p:nvPr>
+            <p:ph type="dt" idx="1"/>
+          </p:nvPr>
+        </p:nvSpPr>
+        <p:spPr>
+          <a:xfrm>
+            <a:off x="3884613" y="0"/>
+            <a:ext cx="2971800" cy="458788"/>
+          </a:xfrm>
+          <a:prstGeom prst="rect">
+            <a:avLst/>
+          </a:prstGeom>
+        </p:spPr>
+        <p:txBody>
+          <a:bodyPr vert="horz" lIns="91440" tIns="45720" rIns="91440" bIns="45720" rtlCol="0"/>
+          <a:lstStyle>
+            <a:lvl1pPr algn="r">
+              <a:defRPr sz="1200"/>
+            </a:lvl1pPr>
+          </a:lstStyle>
+          <a:p>
+            <a:fld id="{028A4230-A7FF-43A2-BDA8-3FC39D5FA3A9}" type="datetimeFigureOut">
+              <a:rPr lang="ko-KR" altLang="en-US" smtClean="0"/>
+              <a:t>2018-08-09</a:t>
+            </a:fld>
+            <a:endParaRPr lang="ko-KR" altLang="en-US"/>
+          </a:p>
+        </p:txBody>
+      </p:sp>
+      <p:sp>
+        <p:nvSpPr>
+          <p:cNvPr id="4" name="슬라이드 이미지 개체 틀 3"/>
+          <p:cNvSpPr>
+            <a:spLocks noGrp="1" noRot="1" noChangeAspect="1"/>
+          </p:cNvSpPr>
+          <p:nvPr>
+            <p:ph type="sldImg" idx="2"/>
+          </p:nvPr>
+        </p:nvSpPr>
+        <p:spPr>
+          <a:xfrm>
+            <a:off x="1371600" y="1143000"/>
+            <a:ext cx="4114800" cy="3086100"/>
+          </a:xfrm>
+          <a:prstGeom prst="rect">
+            <a:avLst/>
+          </a:prstGeom>
+          <a:noFill/>
+          <a:ln w="12700">
+            <a:solidFill>
+              <a:prstClr val="black"/>
+            </a:solidFill>
+          </a:ln>
+        </p:spPr>
+        <p:txBody>
+          <a:bodyPr vert="horz" lIns="91440" tIns="45720" rIns="91440" bIns="45720" rtlCol="0" anchor="ctr"/>
+          <a:lstStyle/>
+          <a:p>
+            <a:endParaRPr lang="ko-KR" altLang="en-US"/>
+          </a:p>
+        </p:txBody>
+      </p:sp>
+      <p:sp>
+        <p:nvSpPr>
+          <p:cNvPr id="5" name="슬라이드 노트 개체 틀 4"/>
+          <p:cNvSpPr>
+            <a:spLocks noGrp="1"/>
+          </p:cNvSpPr>
+          <p:nvPr>
+            <p:ph type="body" sz="quarter" idx="3"/>
+          </p:nvPr>
+        </p:nvSpPr>
+        <p:spPr>
+          <a:xfrm>
+            <a:off x="685800" y="4400550"/>
+            <a:ext cx="5486400" cy="3600450"/>
+          </a:xfrm>
+          <a:prstGeom prst="rect">
+            <a:avLst/>
+          </a:prstGeom>
+        </p:spPr>
+        <p:txBody>
+          <a:bodyPr vert="horz" lIns="91440" tIns="45720" rIns="91440" bIns="45720" rtlCol="0"/>
+          <a:lstStyle/>
+          <a:p>
+            <a:pPr lvl="0"/>
+            <a:r>
+              <a:rPr lang="ko-KR" altLang="en-US" smtClean="0"/>
+              <a:t>마스터 텍스트 스타일 편집</a:t>
+            </a:r>
+          </a:p>
+          <a:p>
+            <a:pPr lvl="1"/>
+            <a:r>
+              <a:rPr lang="ko-KR" altLang="en-US" smtClean="0"/>
+              <a:t>둘째 수준</a:t>
+            </a:r>
+          </a:p>
+          <a:p>
+            <a:pPr lvl="2"/>
+            <a:r>
+              <a:rPr lang="ko-KR" altLang="en-US" smtClean="0"/>
+              <a:t>셋째 수준</a:t>
+            </a:r>
+          </a:p>
+          <a:p>
+            <a:pPr lvl="3"/>
+            <a:r>
+              <a:rPr lang="ko-KR" altLang="en-US" smtClean="0"/>
+              <a:t>넷째 수준</a:t>
+            </a:r>
+          </a:p>
+          <a:p>
+            <a:pPr lvl="4"/>
+            <a:r>
+              <a:rPr lang="ko-KR" altLang="en-US" smtClean="0"/>
+              <a:t>다섯째 수준</a:t>
+            </a:r>
+            <a:endParaRPr lang="ko-KR" altLang="en-US"/>
+          </a:p>
+        </p:txBody>
+      </p:sp>
+      <p:sp>
+        <p:nvSpPr>
+          <p:cNvPr id="6" name="바닥글 개체 틀 5"/>
+          <p:cNvSpPr>
+            <a:spLocks noGrp="1"/>
+          </p:cNvSpPr>
+          <p:nvPr>
+            <p:ph type="ftr" sz="quarter" idx="4"/>
+          </p:nvPr>
+        </p:nvSpPr>
+        <p:spPr>
+          <a:xfrm>
+            <a:off x="0" y="8685213"/>
+            <a:ext cx="2971800" cy="458787"/>
+          </a:xfrm>
+          <a:prstGeom prst="rect">
+            <a:avLst/>
+          </a:prstGeom>
+        </p:spPr>
+        <p:txBody>
+          <a:bodyPr vert="horz" lIns="91440" tIns="45720" rIns="91440" bIns="45720" rtlCol="0" anchor="b"/>
+          <a:lstStyle>
+            <a:lvl1pPr algn="l">
+              <a:defRPr sz="1200"/>
+            </a:lvl1pPr>
+          </a:lstStyle>
+          <a:p>
+            <a:endParaRPr lang="ko-KR" altLang="en-US"/>
+          </a:p>
+        </p:txBody>
+      </p:sp>
+      <p:sp>
+        <p:nvSpPr>
+          <p:cNvPr id="7" name="슬라이드 번호 개체 틀 6"/>
+          <p:cNvSpPr>
+            <a:spLocks noGrp="1"/>
+          </p:cNvSpPr>
+          <p:nvPr>
+            <p:ph type="sldNum" sz="quarter" idx="5"/>
+          </p:nvPr>
+        </p:nvSpPr>
+        <p:spPr>
+          <a:xfrm>
+            <a:off x="3884613" y="8685213"/>
+            <a:ext cx="2971800" cy="458787"/>
+          </a:xfrm>
+          <a:prstGeom prst="rect">
+            <a:avLst/>
+          </a:prstGeom>
+        </p:spPr>
+        <p:txBody>
+          <a:bodyPr vert="horz" lIns="91440" tIns="45720" rIns="91440" bIns="45720" rtlCol="0" anchor="b"/>
+          <a:lstStyle>
+            <a:lvl1pPr algn="r">
+              <a:defRPr sz="1200"/>
+            </a:lvl1pPr>
+          </a:lstStyle>
+          <a:p>
+            <a:fld id="{61F958EA-8A8D-4EE6-AC12-BFC726432C8B}" type="slidenum">
+              <a:rPr lang="ko-KR" altLang="en-US" smtClean="0"/>
+              <a:t>‹#›</a:t>
+            </a:fld>
+            <a:endParaRPr lang="ko-KR" altLang="en-US"/>
+          </a:p>
+        </p:txBody>
+      </p:sp>
+    </p:spTree>
+    <p:extLst>
+      <p:ext uri="{BB962C8B-B14F-4D97-AF65-F5344CB8AC3E}">
+        <p14:creationId xmlns:p14="http://schemas.microsoft.com/office/powerpoint/2010/main" val="605888631"/>
+      </p:ext>
+    </p:extLst>
+  </p:cSld>
+  <p:clrMap bg1="lt1" tx1="dk1" bg2="lt2" tx2="dk2" accent1="accent1" accent2="accent2" accent3="accent3" accent4="accent4" accent5="accent5" accent6="accent6" hlink="hlink" folHlink="folHlink"/>
+  <p:notesStyle>
+    <a:lvl1pPr marL="0" algn="l" defTabSz="914400" rtl="0" eaLnBrk="1" latinLnBrk="1" hangingPunct="1">
+      <a:defRPr sz="1200" kern="1200">
+        <a:solidFill>
+          <a:schemeClr val="tx1"/>
+        </a:solidFill>
+        <a:latin typeface="+mn-lt"/>
+        <a:ea typeface="+mn-ea"/>
+        <a:cs typeface="+mn-cs"/>
+      </a:defRPr>
+    </a:lvl1pPr>
+    <a:lvl2pPr marL="457200" algn="l" defTabSz="914400" rtl="0" eaLnBrk="1" latinLnBrk="1" hangingPunct="1">
+      <a:defRPr sz="1200" kern="1200">
+        <a:solidFill>
+          <a:schemeClr val="tx1"/>
+        </a:solidFill>
+        <a:latin typeface="+mn-lt"/>
+        <a:ea typeface="+mn-ea"/>
+        <a:cs typeface="+mn-cs"/>
+      </a:defRPr>
+    </a:lvl2pPr>
+    <a:lvl3pPr marL="914400" algn="l" defTabSz="914400" rtl="0" eaLnBrk="1" latinLnBrk="1" hangingPunct="1">
+      <a:defRPr sz="1200" kern="1200">
+        <a:solidFill>
+          <a:schemeClr val="tx1"/>
+        </a:solidFill>
+        <a:latin typeface="+mn-lt"/>
+        <a:ea typeface="+mn-ea"/>
+        <a:cs typeface="+mn-cs"/>
+      </a:defRPr>
+    </a:lvl3pPr>
+    <a:lvl4pPr marL="1371600" algn="l" defTabSz="914400" rtl="0" eaLnBrk="1" latinLnBrk="1" hangingPunct="1">
+      <a:defRPr sz="1200" kern="1200">
+        <a:solidFill>
+          <a:schemeClr val="tx1"/>
+        </a:solidFill>
+        <a:latin typeface="+mn-lt"/>
+        <a:ea typeface="+mn-ea"/>
+        <a:cs typeface="+mn-cs"/>
+      </a:defRPr>
+    </a:lvl4pPr>
+    <a:lvl5pPr marL="1828800" algn="l" defTabSz="914400" rtl="0" eaLnBrk="1" latinLnBrk="1" hangingPunct="1">
+      <a:defRPr sz="1200" kern="1200">
+        <a:solidFill>
+          <a:schemeClr val="tx1"/>
+        </a:solidFill>
+        <a:latin typeface="+mn-lt"/>
+        <a:ea typeface="+mn-ea"/>
+        <a:cs typeface="+mn-cs"/>
+      </a:defRPr>
+    </a:lvl5pPr>
+    <a:lvl6pPr marL="2286000" algn="l" defTabSz="914400" rtl="0" eaLnBrk="1" latinLnBrk="1" hangingPunct="1">
+      <a:defRPr sz="1200" kern="1200">
+        <a:solidFill>
+          <a:schemeClr val="tx1"/>
+        </a:solidFill>
+        <a:latin typeface="+mn-lt"/>
+        <a:ea typeface="+mn-ea"/>
+        <a:cs typeface="+mn-cs"/>
+      </a:defRPr>
+    </a:lvl6pPr>
+    <a:lvl7pPr marL="2743200" algn="l" defTabSz="914400" rtl="0" eaLnBrk="1" latinLnBrk="1" hangingPunct="1">
+      <a:defRPr sz="1200" kern="1200">
+        <a:solidFill>
+          <a:schemeClr val="tx1"/>
+        </a:solidFill>
+        <a:latin typeface="+mn-lt"/>
+        <a:ea typeface="+mn-ea"/>
+        <a:cs typeface="+mn-cs"/>
+      </a:defRPr>
+    </a:lvl7pPr>
+    <a:lvl8pPr marL="3200400" algn="l" defTabSz="914400" rtl="0" eaLnBrk="1" latinLnBrk="1" hangingPunct="1">
+      <a:defRPr sz="1200" kern="1200">
+        <a:solidFill>
+          <a:schemeClr val="tx1"/>
+        </a:solidFill>
+        <a:latin typeface="+mn-lt"/>
+        <a:ea typeface="+mn-ea"/>
+        <a:cs typeface="+mn-cs"/>
+      </a:defRPr>
+    </a:lvl8pPr>
+    <a:lvl9pPr marL="3657600" algn="l" defTabSz="914400" rtl="0" eaLnBrk="1" latinLnBrk="1" hangingPunct="1">
+      <a:defRPr sz="1200" kern="1200">
+        <a:solidFill>
+          <a:schemeClr val="tx1"/>
+        </a:solidFill>
+        <a:latin typeface="+mn-lt"/>
+        <a:ea typeface="+mn-ea"/>
+        <a:cs typeface="+mn-cs"/>
+      </a:defRPr>
+    </a:lvl9pPr>
+  </p:notesStyle>
+</p:notesMaster>
+</file>
+
+<file path=ppt/notesSlides/notesSlide1.xml><?xml version="1.0" encoding="utf-8"?>
+<p:notes xmlns:a="http://schemas.openxmlformats.org/drawingml/2006/main" xmlns:r="http://schemas.openxmlformats.org/officeDocument/2006/relationships" xmlns:p="http://schemas.openxmlformats.org/presentationml/2006/main">
+  <p:cSld>
+    <p:spTree>
+      <p:nvGrpSpPr>
+        <p:cNvPr id="1" name=""/>
+        <p:cNvGrpSpPr/>
+        <p:nvPr/>
+      </p:nvGrpSpPr>
+      <p:grpSpPr>
+        <a:xfrm>
+          <a:off x="0" y="0"/>
+          <a:ext cx="0" cy="0"/>
+          <a:chOff x="0" y="0"/>
+          <a:chExt cx="0" cy="0"/>
+        </a:xfrm>
+      </p:grpSpPr>
+      <p:sp>
+        <p:nvSpPr>
+          <p:cNvPr id="2" name="슬라이드 이미지 개체 틀 1"/>
+          <p:cNvSpPr>
+            <a:spLocks noGrp="1" noRot="1" noChangeAspect="1"/>
+          </p:cNvSpPr>
+          <p:nvPr>
+            <p:ph type="sldImg"/>
+          </p:nvPr>
+        </p:nvSpPr>
+        <p:spPr/>
+      </p:sp>
+      <p:sp>
+        <p:nvSpPr>
+          <p:cNvPr id="3" name="슬라이드 노트 개체 틀 2"/>
+          <p:cNvSpPr>
+            <a:spLocks noGrp="1"/>
+          </p:cNvSpPr>
+          <p:nvPr>
+            <p:ph type="body" idx="1"/>
+          </p:nvPr>
+        </p:nvSpPr>
+        <p:spPr/>
+        <p:txBody>
+          <a:bodyPr/>
+          <a:lstStyle/>
+          <a:p>
+            <a:endParaRPr lang="ko-KR" altLang="en-US" dirty="0"/>
+          </a:p>
+        </p:txBody>
+      </p:sp>
+      <p:sp>
+        <p:nvSpPr>
+          <p:cNvPr id="4" name="슬라이드 번호 개체 틀 3"/>
+          <p:cNvSpPr>
+            <a:spLocks noGrp="1"/>
+          </p:cNvSpPr>
+          <p:nvPr>
+            <p:ph type="sldNum" sz="quarter" idx="10"/>
+          </p:nvPr>
+        </p:nvSpPr>
+        <p:spPr/>
+        <p:txBody>
+          <a:bodyPr/>
+          <a:lstStyle/>
+          <a:p>
+            <a:fld id="{61F958EA-8A8D-4EE6-AC12-BFC726432C8B}" type="slidenum">
+              <a:rPr lang="ko-KR" altLang="en-US" smtClean="0"/>
+              <a:t>10</a:t>
+            </a:fld>
+            <a:endParaRPr lang="ko-KR" altLang="en-US"/>
+          </a:p>
+        </p:txBody>
+      </p:sp>
+    </p:spTree>
+    <p:extLst>
+      <p:ext uri="{BB962C8B-B14F-4D97-AF65-F5344CB8AC3E}">
+        <p14:creationId xmlns:p14="http://schemas.microsoft.com/office/powerpoint/2010/main" val="3453687545"/>
+      </p:ext>
+    </p:extLst>
+  </p:cSld>
+  <p:clrMapOvr>
+    <a:masterClrMapping/>
+  </p:clrMapOvr>
+</p:notes>
+</file>
+
+<file path=ppt/notesSlides/notesSlide2.xml><?xml version="1.0" encoding="utf-8"?>
+<p:notes xmlns:a="http://schemas.openxmlformats.org/drawingml/2006/main" xmlns:r="http://schemas.openxmlformats.org/officeDocument/2006/relationships" xmlns:p="http://schemas.openxmlformats.org/presentationml/2006/main">
+  <p:cSld>
+    <p:spTree>
+      <p:nvGrpSpPr>
+        <p:cNvPr id="1" name=""/>
+        <p:cNvGrpSpPr/>
+        <p:nvPr/>
+      </p:nvGrpSpPr>
+      <p:grpSpPr>
+        <a:xfrm>
+          <a:off x="0" y="0"/>
+          <a:ext cx="0" cy="0"/>
+          <a:chOff x="0" y="0"/>
+          <a:chExt cx="0" cy="0"/>
+        </a:xfrm>
+      </p:grpSpPr>
+      <p:sp>
+        <p:nvSpPr>
+          <p:cNvPr id="2" name="슬라이드 이미지 개체 틀 1"/>
+          <p:cNvSpPr>
+            <a:spLocks noGrp="1" noRot="1" noChangeAspect="1"/>
+          </p:cNvSpPr>
+          <p:nvPr>
+            <p:ph type="sldImg"/>
+          </p:nvPr>
+        </p:nvSpPr>
+        <p:spPr/>
+      </p:sp>
+      <p:sp>
+        <p:nvSpPr>
+          <p:cNvPr id="3" name="슬라이드 노트 개체 틀 2"/>
+          <p:cNvSpPr>
+            <a:spLocks noGrp="1"/>
+          </p:cNvSpPr>
+          <p:nvPr>
+            <p:ph type="body" idx="1"/>
+          </p:nvPr>
+        </p:nvSpPr>
+        <p:spPr/>
+        <p:txBody>
+          <a:bodyPr/>
+          <a:lstStyle/>
+          <a:p>
+            <a:endParaRPr lang="ko-KR" altLang="en-US" dirty="0"/>
+          </a:p>
+        </p:txBody>
+      </p:sp>
+      <p:sp>
+        <p:nvSpPr>
+          <p:cNvPr id="4" name="슬라이드 번호 개체 틀 3"/>
+          <p:cNvSpPr>
+            <a:spLocks noGrp="1"/>
+          </p:cNvSpPr>
+          <p:nvPr>
+            <p:ph type="sldNum" sz="quarter" idx="10"/>
+          </p:nvPr>
+        </p:nvSpPr>
+        <p:spPr/>
+        <p:txBody>
+          <a:bodyPr/>
+          <a:lstStyle/>
+          <a:p>
+            <a:fld id="{61F958EA-8A8D-4EE6-AC12-BFC726432C8B}" type="slidenum">
+              <a:rPr lang="ko-KR" altLang="en-US" smtClean="0"/>
+              <a:t>11</a:t>
+            </a:fld>
+            <a:endParaRPr lang="ko-KR" altLang="en-US"/>
+          </a:p>
+        </p:txBody>
+      </p:sp>
+    </p:spTree>
+    <p:extLst>
+      <p:ext uri="{BB962C8B-B14F-4D97-AF65-F5344CB8AC3E}">
+        <p14:creationId xmlns:p14="http://schemas.microsoft.com/office/powerpoint/2010/main" val="1471130282"/>
+      </p:ext>
+    </p:extLst>
+  </p:cSld>
+  <p:clrMapOvr>
+    <a:masterClrMapping/>
+  </p:clrMapOvr>
+</p:notes>
+</file>
+
 <file path=ppt/slideLayouts/slideLayout1.xml><?xml version="1.0" encoding="utf-8"?>
 <p:sldLayout xmlns:a="http://schemas.openxmlformats.org/drawingml/2006/main" xmlns:r="http://schemas.openxmlformats.org/officeDocument/2006/relationships" xmlns:p="http://schemas.openxmlformats.org/presentationml/2006/main" type="title" preserve="1">
   <p:cSld name="제목 슬라이드">
@@ -254,7 +776,7 @@
           <a:p>
             <a:fld id="{B77B7EA9-7D20-4673-9488-F6C4DB6EE78F}" type="datetimeFigureOut">
               <a:rPr lang="ko-KR" altLang="en-US" smtClean="0"/>
-              <a:t>2018-08-07</a:t>
+              <a:t>2018-08-09</a:t>
             </a:fld>
             <a:endParaRPr lang="ko-KR" altLang="en-US"/>
           </a:p>
@@ -424,7 +946,7 @@
           <a:p>
             <a:fld id="{B77B7EA9-7D20-4673-9488-F6C4DB6EE78F}" type="datetimeFigureOut">
               <a:rPr lang="ko-KR" altLang="en-US" smtClean="0"/>
-              <a:t>2018-08-07</a:t>
+              <a:t>2018-08-09</a:t>
             </a:fld>
             <a:endParaRPr lang="ko-KR" altLang="en-US"/>
           </a:p>
@@ -604,7 +1126,7 @@
           <a:p>
             <a:fld id="{B77B7EA9-7D20-4673-9488-F6C4DB6EE78F}" type="datetimeFigureOut">
               <a:rPr lang="ko-KR" altLang="en-US" smtClean="0"/>
-              <a:t>2018-08-07</a:t>
+              <a:t>2018-08-09</a:t>
             </a:fld>
             <a:endParaRPr lang="ko-KR" altLang="en-US"/>
           </a:p>
@@ -774,7 +1296,7 @@
           <a:p>
             <a:fld id="{B77B7EA9-7D20-4673-9488-F6C4DB6EE78F}" type="datetimeFigureOut">
               <a:rPr lang="ko-KR" altLang="en-US" smtClean="0"/>
-              <a:t>2018-08-07</a:t>
+              <a:t>2018-08-09</a:t>
             </a:fld>
             <a:endParaRPr lang="ko-KR" altLang="en-US"/>
           </a:p>
@@ -1018,7 +1540,7 @@
           <a:p>
             <a:fld id="{B77B7EA9-7D20-4673-9488-F6C4DB6EE78F}" type="datetimeFigureOut">
               <a:rPr lang="ko-KR" altLang="en-US" smtClean="0"/>
-              <a:t>2018-08-07</a:t>
+              <a:t>2018-08-09</a:t>
             </a:fld>
             <a:endParaRPr lang="ko-KR" altLang="en-US"/>
           </a:p>
@@ -1250,7 +1772,7 @@
           <a:p>
             <a:fld id="{B77B7EA9-7D20-4673-9488-F6C4DB6EE78F}" type="datetimeFigureOut">
               <a:rPr lang="ko-KR" altLang="en-US" smtClean="0"/>
-              <a:t>2018-08-07</a:t>
+              <a:t>2018-08-09</a:t>
             </a:fld>
             <a:endParaRPr lang="ko-KR" altLang="en-US"/>
           </a:p>
@@ -1617,7 +2139,7 @@
           <a:p>
             <a:fld id="{B77B7EA9-7D20-4673-9488-F6C4DB6EE78F}" type="datetimeFigureOut">
               <a:rPr lang="ko-KR" altLang="en-US" smtClean="0"/>
-              <a:t>2018-08-07</a:t>
+              <a:t>2018-08-09</a:t>
             </a:fld>
             <a:endParaRPr lang="ko-KR" altLang="en-US"/>
           </a:p>
@@ -1735,7 +2257,7 @@
           <a:p>
             <a:fld id="{B77B7EA9-7D20-4673-9488-F6C4DB6EE78F}" type="datetimeFigureOut">
               <a:rPr lang="ko-KR" altLang="en-US" smtClean="0"/>
-              <a:t>2018-08-07</a:t>
+              <a:t>2018-08-09</a:t>
             </a:fld>
             <a:endParaRPr lang="ko-KR" altLang="en-US"/>
           </a:p>
@@ -1830,7 +2352,7 @@
           <a:p>
             <a:fld id="{B77B7EA9-7D20-4673-9488-F6C4DB6EE78F}" type="datetimeFigureOut">
               <a:rPr lang="ko-KR" altLang="en-US" smtClean="0"/>
-              <a:t>2018-08-07</a:t>
+              <a:t>2018-08-09</a:t>
             </a:fld>
             <a:endParaRPr lang="ko-KR" altLang="en-US"/>
           </a:p>
@@ -2107,7 +2629,7 @@
           <a:p>
             <a:fld id="{B77B7EA9-7D20-4673-9488-F6C4DB6EE78F}" type="datetimeFigureOut">
               <a:rPr lang="ko-KR" altLang="en-US" smtClean="0"/>
-              <a:t>2018-08-07</a:t>
+              <a:t>2018-08-09</a:t>
             </a:fld>
             <a:endParaRPr lang="ko-KR" altLang="en-US"/>
           </a:p>
@@ -2364,7 +2886,7 @@
           <a:p>
             <a:fld id="{B77B7EA9-7D20-4673-9488-F6C4DB6EE78F}" type="datetimeFigureOut">
               <a:rPr lang="ko-KR" altLang="en-US" smtClean="0"/>
-              <a:t>2018-08-07</a:t>
+              <a:t>2018-08-09</a:t>
             </a:fld>
             <a:endParaRPr lang="ko-KR" altLang="en-US"/>
           </a:p>
@@ -2577,7 +3099,7 @@
           <a:p>
             <a:fld id="{B77B7EA9-7D20-4673-9488-F6C4DB6EE78F}" type="datetimeFigureOut">
               <a:rPr lang="ko-KR" altLang="en-US" smtClean="0"/>
-              <a:t>2018-08-07</a:t>
+              <a:t>2018-08-09</a:t>
             </a:fld>
             <a:endParaRPr lang="ko-KR" altLang="en-US"/>
           </a:p>
@@ -3916,6 +4438,718 @@
             </a:r>
             <a:r>
               <a:rPr lang="ko-KR" altLang="en-US" sz="3200" b="1" dirty="0" smtClean="0"/>
+              <a:t>템플릿 함수의 </a:t>
+            </a:r>
+            <a:r>
+              <a:rPr lang="ko-KR" altLang="en-US" sz="3200" b="1" dirty="0" smtClean="0"/>
+              <a:t>인자</a:t>
+            </a:r>
+            <a:r>
+              <a:rPr lang="en-US" altLang="ko-KR" sz="3200" b="1" dirty="0" smtClean="0"/>
+              <a:t>(</a:t>
+            </a:r>
+            <a:r>
+              <a:rPr lang="ko-KR" altLang="en-US" sz="3200" b="1" dirty="0" smtClean="0"/>
+              <a:t>계속</a:t>
+            </a:r>
+            <a:r>
+              <a:rPr lang="en-US" altLang="ko-KR" sz="3200" b="1" dirty="0" smtClean="0"/>
+              <a:t>)</a:t>
+            </a:r>
+            <a:endParaRPr lang="en-US" altLang="ko-KR" sz="3200" b="1" dirty="0"/>
+          </a:p>
+        </p:txBody>
+      </p:sp>
+      <p:sp>
+        <p:nvSpPr>
+          <p:cNvPr id="3" name="내용 개체 틀 2"/>
+          <p:cNvSpPr>
+            <a:spLocks noGrp="1"/>
+          </p:cNvSpPr>
+          <p:nvPr>
+            <p:ph idx="1"/>
+          </p:nvPr>
+        </p:nvSpPr>
+        <p:spPr/>
+        <p:txBody>
+          <a:bodyPr/>
+          <a:lstStyle/>
+          <a:p>
+            <a:r>
+              <a:rPr lang="en-US" altLang="ko-KR" dirty="0" smtClean="0"/>
+              <a:t> </a:t>
+            </a:r>
+          </a:p>
+        </p:txBody>
+      </p:sp>
+      <p:sp>
+        <p:nvSpPr>
+          <p:cNvPr id="6" name="직사각형 5"/>
+          <p:cNvSpPr/>
+          <p:nvPr/>
+        </p:nvSpPr>
+        <p:spPr>
+          <a:xfrm>
+            <a:off x="978010" y="1690689"/>
+            <a:ext cx="7537340" cy="4896966"/>
+          </a:xfrm>
+          <a:prstGeom prst="rect">
+            <a:avLst/>
+          </a:prstGeom>
+          <a:noFill/>
+          <a:ln>
+            <a:solidFill>
+              <a:schemeClr val="tx1"/>
+            </a:solidFill>
+          </a:ln>
+        </p:spPr>
+        <p:style>
+          <a:lnRef idx="2">
+            <a:schemeClr val="accent1">
+              <a:shade val="50000"/>
+            </a:schemeClr>
+          </a:lnRef>
+          <a:fillRef idx="1">
+            <a:schemeClr val="accent1"/>
+          </a:fillRef>
+          <a:effectRef idx="0">
+            <a:schemeClr val="accent1"/>
+          </a:effectRef>
+          <a:fontRef idx="minor">
+            <a:schemeClr val="lt1"/>
+          </a:fontRef>
+        </p:style>
+        <p:txBody>
+          <a:bodyPr rtlCol="0" anchor="ctr"/>
+          <a:lstStyle/>
+          <a:p>
+            <a:endParaRPr lang="en-US" altLang="ko-KR" dirty="0">
+              <a:solidFill>
+                <a:schemeClr val="tx1"/>
+              </a:solidFill>
+            </a:endParaRPr>
+          </a:p>
+          <a:p>
+            <a:r>
+              <a:rPr lang="en-US" altLang="ko-KR" dirty="0" smtClean="0">
+                <a:solidFill>
+                  <a:schemeClr val="tx1"/>
+                </a:solidFill>
+              </a:rPr>
+              <a:t>sort(</a:t>
+            </a:r>
+            <a:r>
+              <a:rPr lang="en-US" altLang="ko-KR" dirty="0" err="1" smtClean="0">
+                <a:solidFill>
+                  <a:schemeClr val="tx1"/>
+                </a:solidFill>
+              </a:rPr>
+              <a:t>words.begin</a:t>
+            </a:r>
+            <a:r>
+              <a:rPr lang="en-US" altLang="ko-KR" dirty="0" smtClean="0">
+                <a:solidFill>
+                  <a:schemeClr val="tx1"/>
+                </a:solidFill>
+              </a:rPr>
+              <a:t>(), </a:t>
+            </a:r>
+            <a:r>
+              <a:rPr lang="en-US" altLang="ko-KR" dirty="0" err="1" smtClean="0">
+                <a:solidFill>
+                  <a:schemeClr val="tx1"/>
+                </a:solidFill>
+              </a:rPr>
+              <a:t>words.end</a:t>
+            </a:r>
+            <a:r>
+              <a:rPr lang="en-US" altLang="ko-KR" dirty="0" smtClean="0">
+                <a:solidFill>
+                  <a:schemeClr val="tx1"/>
+                </a:solidFill>
+              </a:rPr>
+              <a:t>(),</a:t>
+            </a:r>
+          </a:p>
+          <a:p>
+            <a:r>
+              <a:rPr lang="en-US" altLang="ko-KR" dirty="0">
+                <a:solidFill>
+                  <a:schemeClr val="tx1"/>
+                </a:solidFill>
+              </a:rPr>
+              <a:t>	</a:t>
+            </a:r>
+            <a:r>
+              <a:rPr lang="en-US" altLang="ko-KR" dirty="0" smtClean="0">
+                <a:solidFill>
+                  <a:srgbClr val="FF0000"/>
+                </a:solidFill>
+              </a:rPr>
+              <a:t>[] (</a:t>
+            </a:r>
+            <a:r>
+              <a:rPr lang="en-US" altLang="ko-KR" dirty="0" err="1" smtClean="0">
+                <a:solidFill>
+                  <a:srgbClr val="FF0000"/>
+                </a:solidFill>
+              </a:rPr>
+              <a:t>const</a:t>
+            </a:r>
+            <a:r>
+              <a:rPr lang="en-US" altLang="ko-KR" dirty="0" smtClean="0">
+                <a:solidFill>
+                  <a:srgbClr val="FF0000"/>
+                </a:solidFill>
+              </a:rPr>
+              <a:t> string&amp; s1, </a:t>
+            </a:r>
+            <a:r>
+              <a:rPr lang="en-US" altLang="ko-KR" dirty="0" err="1" smtClean="0">
+                <a:solidFill>
+                  <a:srgbClr val="FF0000"/>
+                </a:solidFill>
+              </a:rPr>
+              <a:t>const</a:t>
+            </a:r>
+            <a:r>
+              <a:rPr lang="en-US" altLang="ko-KR" dirty="0" smtClean="0">
+                <a:solidFill>
+                  <a:srgbClr val="FF0000"/>
+                </a:solidFill>
+              </a:rPr>
+              <a:t> string&amp; s2) { return s1 &gt; s2; </a:t>
+            </a:r>
+            <a:r>
+              <a:rPr lang="en-US" altLang="ko-KR" dirty="0" smtClean="0">
+                <a:solidFill>
+                  <a:srgbClr val="FF0000"/>
+                </a:solidFill>
+              </a:rPr>
+              <a:t>}</a:t>
+            </a:r>
+            <a:r>
+              <a:rPr lang="en-US" altLang="ko-KR" dirty="0" smtClean="0">
+                <a:solidFill>
+                  <a:schemeClr val="tx1"/>
+                </a:solidFill>
+              </a:rPr>
+              <a:t>);</a:t>
+            </a:r>
+            <a:endParaRPr lang="en-US" altLang="ko-KR" dirty="0">
+              <a:solidFill>
+                <a:schemeClr val="tx1"/>
+              </a:solidFill>
+            </a:endParaRPr>
+          </a:p>
+          <a:p>
+            <a:endParaRPr lang="en-US" altLang="ko-KR" dirty="0">
+              <a:solidFill>
+                <a:schemeClr val="tx1"/>
+              </a:solidFill>
+            </a:endParaRPr>
+          </a:p>
+          <a:p>
+            <a:endParaRPr lang="en-US" altLang="ko-KR" dirty="0" smtClean="0">
+              <a:solidFill>
+                <a:schemeClr val="tx1"/>
+              </a:solidFill>
+              <a:sym typeface="Wingdings" panose="05000000000000000000" pitchFamily="2" charset="2"/>
+            </a:endParaRPr>
+          </a:p>
+          <a:p>
+            <a:endParaRPr lang="en-US" altLang="ko-KR" dirty="0">
+              <a:solidFill>
+                <a:schemeClr val="tx1"/>
+              </a:solidFill>
+              <a:sym typeface="Wingdings" panose="05000000000000000000" pitchFamily="2" charset="2"/>
+            </a:endParaRPr>
+          </a:p>
+          <a:p>
+            <a:r>
+              <a:rPr lang="en-US" altLang="ko-KR" dirty="0" smtClean="0">
+                <a:solidFill>
+                  <a:schemeClr val="tx1"/>
+                </a:solidFill>
+                <a:sym typeface="Wingdings" panose="05000000000000000000" pitchFamily="2" charset="2"/>
+              </a:rPr>
+              <a:t>class </a:t>
+            </a:r>
+            <a:r>
+              <a:rPr lang="en-US" altLang="ko-KR" dirty="0" err="1" smtClean="0">
+                <a:solidFill>
+                  <a:schemeClr val="tx1"/>
+                </a:solidFill>
+                <a:sym typeface="Wingdings" panose="05000000000000000000" pitchFamily="2" charset="2"/>
+              </a:rPr>
+              <a:t>GreaterThanString</a:t>
+            </a:r>
+            <a:r>
+              <a:rPr lang="en-US" altLang="ko-KR" dirty="0" smtClean="0">
+                <a:solidFill>
+                  <a:schemeClr val="tx1"/>
+                </a:solidFill>
+                <a:sym typeface="Wingdings" panose="05000000000000000000" pitchFamily="2" charset="2"/>
+              </a:rPr>
+              <a:t> {</a:t>
+            </a:r>
+          </a:p>
+          <a:p>
+            <a:r>
+              <a:rPr lang="en-US" altLang="ko-KR" dirty="0" smtClean="0">
+                <a:solidFill>
+                  <a:schemeClr val="tx1"/>
+                </a:solidFill>
+                <a:sym typeface="Wingdings" panose="05000000000000000000" pitchFamily="2" charset="2"/>
+              </a:rPr>
+              <a:t>public:</a:t>
+            </a:r>
+          </a:p>
+          <a:p>
+            <a:r>
+              <a:rPr lang="en-US" altLang="ko-KR" dirty="0">
+                <a:solidFill>
+                  <a:schemeClr val="tx1"/>
+                </a:solidFill>
+                <a:sym typeface="Wingdings" panose="05000000000000000000" pitchFamily="2" charset="2"/>
+              </a:rPr>
+              <a:t> </a:t>
+            </a:r>
+            <a:r>
+              <a:rPr lang="en-US" altLang="ko-KR" dirty="0" smtClean="0">
+                <a:solidFill>
+                  <a:schemeClr val="tx1"/>
+                </a:solidFill>
+                <a:sym typeface="Wingdings" panose="05000000000000000000" pitchFamily="2" charset="2"/>
+              </a:rPr>
+              <a:t>   bool operator() (</a:t>
+            </a:r>
+            <a:r>
+              <a:rPr lang="en-US" altLang="ko-KR" dirty="0" err="1" smtClean="0">
+                <a:solidFill>
+                  <a:schemeClr val="tx1"/>
+                </a:solidFill>
+                <a:sym typeface="Wingdings" panose="05000000000000000000" pitchFamily="2" charset="2"/>
+              </a:rPr>
+              <a:t>const</a:t>
+            </a:r>
+            <a:r>
+              <a:rPr lang="en-US" altLang="ko-KR" dirty="0" smtClean="0">
+                <a:solidFill>
+                  <a:schemeClr val="tx1"/>
+                </a:solidFill>
+                <a:sym typeface="Wingdings" panose="05000000000000000000" pitchFamily="2" charset="2"/>
+              </a:rPr>
+              <a:t> string&amp; s1, </a:t>
+            </a:r>
+            <a:r>
+              <a:rPr lang="en-US" altLang="ko-KR" dirty="0" err="1" smtClean="0">
+                <a:solidFill>
+                  <a:schemeClr val="tx1"/>
+                </a:solidFill>
+                <a:sym typeface="Wingdings" panose="05000000000000000000" pitchFamily="2" charset="2"/>
+              </a:rPr>
+              <a:t>const</a:t>
+            </a:r>
+            <a:r>
+              <a:rPr lang="en-US" altLang="ko-KR" dirty="0" smtClean="0">
+                <a:solidFill>
+                  <a:schemeClr val="tx1"/>
+                </a:solidFill>
+                <a:sym typeface="Wingdings" panose="05000000000000000000" pitchFamily="2" charset="2"/>
+              </a:rPr>
+              <a:t> string&amp; s2) </a:t>
+            </a:r>
+            <a:r>
+              <a:rPr lang="en-US" altLang="ko-KR" dirty="0" err="1" smtClean="0">
+                <a:solidFill>
+                  <a:schemeClr val="tx1"/>
+                </a:solidFill>
+                <a:sym typeface="Wingdings" panose="05000000000000000000" pitchFamily="2" charset="2"/>
+              </a:rPr>
+              <a:t>const</a:t>
+            </a:r>
+            <a:r>
+              <a:rPr lang="en-US" altLang="ko-KR" dirty="0" smtClean="0">
+                <a:solidFill>
+                  <a:schemeClr val="tx1"/>
+                </a:solidFill>
+                <a:sym typeface="Wingdings" panose="05000000000000000000" pitchFamily="2" charset="2"/>
+              </a:rPr>
+              <a:t> </a:t>
+            </a:r>
+          </a:p>
+          <a:p>
+            <a:r>
+              <a:rPr lang="en-US" altLang="ko-KR" dirty="0">
+                <a:solidFill>
+                  <a:schemeClr val="tx1"/>
+                </a:solidFill>
+                <a:sym typeface="Wingdings" panose="05000000000000000000" pitchFamily="2" charset="2"/>
+              </a:rPr>
+              <a:t> </a:t>
+            </a:r>
+            <a:r>
+              <a:rPr lang="en-US" altLang="ko-KR" dirty="0" smtClean="0">
+                <a:solidFill>
+                  <a:schemeClr val="tx1"/>
+                </a:solidFill>
+                <a:sym typeface="Wingdings" panose="05000000000000000000" pitchFamily="2" charset="2"/>
+              </a:rPr>
+              <a:t>   </a:t>
+            </a:r>
+            <a:r>
+              <a:rPr lang="en-US" altLang="ko-KR" dirty="0" smtClean="0">
+                <a:solidFill>
+                  <a:schemeClr val="tx1"/>
+                </a:solidFill>
+                <a:sym typeface="Wingdings" panose="05000000000000000000" pitchFamily="2" charset="2"/>
+              </a:rPr>
+              <a:t>{ return s1 &gt; s2; }</a:t>
+            </a:r>
+          </a:p>
+          <a:p>
+            <a:r>
+              <a:rPr lang="en-US" altLang="ko-KR" dirty="0" smtClean="0">
+                <a:solidFill>
+                  <a:schemeClr val="tx1"/>
+                </a:solidFill>
+                <a:sym typeface="Wingdings" panose="05000000000000000000" pitchFamily="2" charset="2"/>
+              </a:rPr>
+              <a:t>}</a:t>
+            </a:r>
+          </a:p>
+          <a:p>
+            <a:endParaRPr lang="en-US" altLang="ko-KR" dirty="0">
+              <a:solidFill>
+                <a:schemeClr val="tx1"/>
+              </a:solidFill>
+              <a:sym typeface="Wingdings" panose="05000000000000000000" pitchFamily="2" charset="2"/>
+            </a:endParaRPr>
+          </a:p>
+          <a:p>
+            <a:r>
+              <a:rPr lang="en-US" altLang="ko-KR" dirty="0">
+                <a:solidFill>
+                  <a:schemeClr val="tx1"/>
+                </a:solidFill>
+              </a:rPr>
+              <a:t>sort(</a:t>
+            </a:r>
+            <a:r>
+              <a:rPr lang="en-US" altLang="ko-KR" dirty="0" err="1">
+                <a:solidFill>
+                  <a:schemeClr val="tx1"/>
+                </a:solidFill>
+              </a:rPr>
+              <a:t>words.begin</a:t>
+            </a:r>
+            <a:r>
+              <a:rPr lang="en-US" altLang="ko-KR" dirty="0">
+                <a:solidFill>
+                  <a:schemeClr val="tx1"/>
+                </a:solidFill>
+              </a:rPr>
+              <a:t>(), </a:t>
+            </a:r>
+            <a:r>
+              <a:rPr lang="en-US" altLang="ko-KR" dirty="0" err="1">
+                <a:solidFill>
+                  <a:schemeClr val="tx1"/>
+                </a:solidFill>
+              </a:rPr>
+              <a:t>words.end</a:t>
+            </a:r>
+            <a:r>
+              <a:rPr lang="en-US" altLang="ko-KR" dirty="0" smtClean="0">
+                <a:solidFill>
+                  <a:schemeClr val="tx1"/>
+                </a:solidFill>
+              </a:rPr>
+              <a:t>(), </a:t>
+            </a:r>
+            <a:r>
+              <a:rPr lang="en-US" altLang="ko-KR" dirty="0" smtClean="0">
+                <a:solidFill>
+                  <a:srgbClr val="FF0000"/>
+                </a:solidFill>
+              </a:rPr>
+              <a:t>new </a:t>
+            </a:r>
+            <a:r>
+              <a:rPr lang="en-US" altLang="ko-KR" dirty="0" err="1" smtClean="0">
+                <a:solidFill>
+                  <a:srgbClr val="FF0000"/>
+                </a:solidFill>
+              </a:rPr>
+              <a:t>GreaterThanString</a:t>
+            </a:r>
+            <a:r>
+              <a:rPr lang="en-US" altLang="ko-KR" dirty="0" smtClean="0">
+                <a:solidFill>
+                  <a:schemeClr val="tx1"/>
+                </a:solidFill>
+              </a:rPr>
+              <a:t>);</a:t>
+            </a:r>
+          </a:p>
+          <a:p>
+            <a:endParaRPr lang="en-US" altLang="ko-KR" dirty="0">
+              <a:solidFill>
+                <a:schemeClr val="tx1"/>
+              </a:solidFill>
+            </a:endParaRPr>
+          </a:p>
+          <a:p>
+            <a:r>
+              <a:rPr lang="en-US" altLang="ko-KR" dirty="0" smtClean="0">
+                <a:solidFill>
+                  <a:schemeClr val="tx1"/>
+                </a:solidFill>
+              </a:rPr>
+              <a:t> // cf. function-call operator</a:t>
+            </a:r>
+          </a:p>
+          <a:p>
+            <a:r>
+              <a:rPr lang="en-US" altLang="ko-KR" dirty="0">
+                <a:solidFill>
+                  <a:schemeClr val="tx1"/>
+                </a:solidFill>
+              </a:rPr>
+              <a:t> </a:t>
+            </a:r>
+            <a:r>
+              <a:rPr lang="en-US" altLang="ko-KR" dirty="0" smtClean="0">
+                <a:solidFill>
+                  <a:schemeClr val="tx1"/>
+                </a:solidFill>
+              </a:rPr>
+              <a:t>//      </a:t>
+            </a:r>
+            <a:r>
+              <a:rPr lang="en-US" altLang="ko-KR" dirty="0" err="1" smtClean="0">
+                <a:solidFill>
+                  <a:schemeClr val="tx1"/>
+                </a:solidFill>
+              </a:rPr>
+              <a:t>GreaterThanString</a:t>
+            </a:r>
+            <a:r>
+              <a:rPr lang="en-US" altLang="ko-KR" dirty="0" smtClean="0">
+                <a:solidFill>
+                  <a:schemeClr val="tx1"/>
+                </a:solidFill>
+              </a:rPr>
+              <a:t>* p = new </a:t>
+            </a:r>
+            <a:r>
+              <a:rPr lang="en-US" altLang="ko-KR" dirty="0" err="1" smtClean="0">
+                <a:solidFill>
+                  <a:schemeClr val="tx1"/>
+                </a:solidFill>
+              </a:rPr>
+              <a:t>GreaterThanString</a:t>
+            </a:r>
+            <a:r>
+              <a:rPr lang="en-US" altLang="ko-KR" dirty="0" smtClean="0">
+                <a:solidFill>
+                  <a:schemeClr val="tx1"/>
+                </a:solidFill>
+              </a:rPr>
+              <a:t>;</a:t>
+            </a:r>
+          </a:p>
+          <a:p>
+            <a:r>
+              <a:rPr lang="en-US" altLang="ko-KR" dirty="0" smtClean="0">
+                <a:solidFill>
+                  <a:schemeClr val="tx1"/>
+                </a:solidFill>
+              </a:rPr>
+              <a:t> //      p();</a:t>
+            </a:r>
+            <a:endParaRPr lang="en-US" altLang="ko-KR" dirty="0">
+              <a:solidFill>
+                <a:schemeClr val="tx1"/>
+              </a:solidFill>
+            </a:endParaRPr>
+          </a:p>
+          <a:p>
+            <a:endParaRPr lang="en-US" altLang="ko-KR" dirty="0" smtClean="0">
+              <a:solidFill>
+                <a:schemeClr val="tx1"/>
+              </a:solidFill>
+            </a:endParaRPr>
+          </a:p>
+        </p:txBody>
+      </p:sp>
+      <p:sp>
+        <p:nvSpPr>
+          <p:cNvPr id="7" name="사각형 설명선 6"/>
+          <p:cNvSpPr/>
+          <p:nvPr/>
+        </p:nvSpPr>
+        <p:spPr>
+          <a:xfrm>
+            <a:off x="4198040" y="2899964"/>
+            <a:ext cx="3592995" cy="779228"/>
+          </a:xfrm>
+          <a:prstGeom prst="wedgeRectCallout">
+            <a:avLst>
+              <a:gd name="adj1" fmla="val -40875"/>
+              <a:gd name="adj2" fmla="val 71906"/>
+            </a:avLst>
+          </a:prstGeom>
+          <a:noFill/>
+          <a:ln>
+            <a:solidFill>
+              <a:schemeClr val="tx1"/>
+            </a:solidFill>
+          </a:ln>
+        </p:spPr>
+        <p:style>
+          <a:lnRef idx="2">
+            <a:schemeClr val="accent1">
+              <a:shade val="50000"/>
+            </a:schemeClr>
+          </a:lnRef>
+          <a:fillRef idx="1">
+            <a:schemeClr val="accent1"/>
+          </a:fillRef>
+          <a:effectRef idx="0">
+            <a:schemeClr val="accent1"/>
+          </a:effectRef>
+          <a:fontRef idx="minor">
+            <a:schemeClr val="lt1"/>
+          </a:fontRef>
+        </p:style>
+        <p:txBody>
+          <a:bodyPr rtlCol="0" anchor="ctr"/>
+          <a:lstStyle/>
+          <a:p>
+            <a:pPr algn="ctr"/>
+            <a:r>
+              <a:rPr lang="en-US" altLang="ko-KR" dirty="0" smtClean="0">
+                <a:solidFill>
+                  <a:schemeClr val="tx1"/>
+                </a:solidFill>
+              </a:rPr>
+              <a:t>an overloaded function-call operator</a:t>
+            </a:r>
+            <a:endParaRPr lang="ko-KR" altLang="en-US" dirty="0">
+              <a:solidFill>
+                <a:schemeClr val="tx1"/>
+              </a:solidFill>
+            </a:endParaRPr>
+          </a:p>
+        </p:txBody>
+      </p:sp>
+      <p:sp>
+        <p:nvSpPr>
+          <p:cNvPr id="4" name="아래쪽 화살표 3"/>
+          <p:cNvSpPr/>
+          <p:nvPr/>
+        </p:nvSpPr>
+        <p:spPr>
+          <a:xfrm>
+            <a:off x="1782500" y="2646459"/>
+            <a:ext cx="511120" cy="507010"/>
+          </a:xfrm>
+          <a:prstGeom prst="downArrow">
+            <a:avLst/>
+          </a:prstGeom>
+          <a:noFill/>
+        </p:spPr>
+        <p:style>
+          <a:lnRef idx="2">
+            <a:schemeClr val="accent1">
+              <a:shade val="50000"/>
+            </a:schemeClr>
+          </a:lnRef>
+          <a:fillRef idx="1">
+            <a:schemeClr val="accent1"/>
+          </a:fillRef>
+          <a:effectRef idx="0">
+            <a:schemeClr val="accent1"/>
+          </a:effectRef>
+          <a:fontRef idx="minor">
+            <a:schemeClr val="lt1"/>
+          </a:fontRef>
+        </p:style>
+        <p:txBody>
+          <a:bodyPr rtlCol="0" anchor="ctr"/>
+          <a:lstStyle/>
+          <a:p>
+            <a:pPr algn="ctr"/>
+            <a:endParaRPr lang="ko-KR" altLang="en-US"/>
+          </a:p>
+        </p:txBody>
+      </p:sp>
+    </p:spTree>
+    <p:extLst>
+      <p:ext uri="{BB962C8B-B14F-4D97-AF65-F5344CB8AC3E}">
+        <p14:creationId xmlns:p14="http://schemas.microsoft.com/office/powerpoint/2010/main" val="2517940343"/>
+      </p:ext>
+    </p:extLst>
+  </p:cSld>
+  <p:clrMapOvr>
+    <a:masterClrMapping/>
+  </p:clrMapOvr>
+  <p:timing>
+    <p:tnLst>
+      <p:par>
+        <p:cTn id="1" dur="indefinite" restart="never" nodeType="tmRoot"/>
+      </p:par>
+    </p:tnLst>
+  </p:timing>
+</p:sld>
+</file>
+
+<file path=ppt/slides/slide12.xml><?xml version="1.0" encoding="utf-8"?>
+<p:sld xmlns:a="http://schemas.openxmlformats.org/drawingml/2006/main" xmlns:r="http://schemas.openxmlformats.org/officeDocument/2006/relationships" xmlns:p="http://schemas.openxmlformats.org/presentationml/2006/main">
+  <p:cSld>
+    <p:spTree>
+      <p:nvGrpSpPr>
+        <p:cNvPr id="1" name=""/>
+        <p:cNvGrpSpPr/>
+        <p:nvPr/>
+      </p:nvGrpSpPr>
+      <p:grpSpPr>
+        <a:xfrm>
+          <a:off x="0" y="0"/>
+          <a:ext cx="0" cy="0"/>
+          <a:chOff x="0" y="0"/>
+          <a:chExt cx="0" cy="0"/>
+        </a:xfrm>
+      </p:grpSpPr>
+      <p:sp>
+        <p:nvSpPr>
+          <p:cNvPr id="2" name="제목 1"/>
+          <p:cNvSpPr>
+            <a:spLocks noGrp="1"/>
+          </p:cNvSpPr>
+          <p:nvPr>
+            <p:ph type="title"/>
+          </p:nvPr>
+        </p:nvSpPr>
+        <p:spPr/>
+        <p:txBody>
+          <a:bodyPr>
+            <a:normAutofit/>
+          </a:bodyPr>
+          <a:lstStyle/>
+          <a:p>
+            <a:r>
+              <a:rPr lang="ko-KR" altLang="en-US" sz="3200" b="1" dirty="0" smtClean="0"/>
+              <a:t>활용 예</a:t>
+            </a:r>
+            <a:r>
+              <a:rPr lang="en-US" altLang="ko-KR" sz="3200" b="1" dirty="0" smtClean="0"/>
+              <a:t>: </a:t>
+            </a:r>
+            <a:r>
+              <a:rPr lang="ko-KR" altLang="en-US" sz="3200" b="1" dirty="0" smtClean="0"/>
               <a:t>고차원 함수</a:t>
             </a:r>
             <a:endParaRPr lang="en-US" altLang="ko-KR" sz="3200" b="1" dirty="0"/>
@@ -4340,7 +5574,7 @@
 </p:sld>
 </file>
 
-<file path=ppt/slides/slide12.xml><?xml version="1.0" encoding="utf-8"?>
+<file path=ppt/slides/slide13.xml><?xml version="1.0" encoding="utf-8"?>
 <p:sld xmlns:a="http://schemas.openxmlformats.org/drawingml/2006/main" xmlns:r="http://schemas.openxmlformats.org/officeDocument/2006/relationships" xmlns:p="http://schemas.openxmlformats.org/presentationml/2006/main">
   <p:cSld>
     <p:spTree>
@@ -4626,11 +5860,7 @@
           <a:p>
             <a:r>
               <a:rPr lang="ko-KR" altLang="en-US" sz="3200" b="1" dirty="0" smtClean="0"/>
-              <a:t>람다 </a:t>
-            </a:r>
-            <a:r>
-              <a:rPr lang="ko-KR" altLang="en-US" sz="3200" b="1" dirty="0" smtClean="0"/>
-              <a:t>계산법</a:t>
+              <a:t>람다 계산법</a:t>
             </a:r>
             <a:r>
               <a:rPr lang="en-US" altLang="ko-KR" sz="3200" b="1" dirty="0" smtClean="0"/>
@@ -4648,8 +5878,8 @@
           </a:p>
         </p:txBody>
       </p:sp>
-      <mc:AlternateContent xmlns:mc="http://schemas.openxmlformats.org/markup-compatibility/2006">
-        <mc:Choice xmlns:a14="http://schemas.microsoft.com/office/drawing/2010/main" Requires="a14">
+      <mc:AlternateContent xmlns:mc="http://schemas.openxmlformats.org/markup-compatibility/2006" xmlns:a14="http://schemas.microsoft.com/office/drawing/2010/main">
+        <mc:Choice Requires="a14">
           <p:sp>
             <p:nvSpPr>
               <p:cNvPr id="3" name="내용 개체 틀 2"/>
@@ -4963,18 +6193,13 @@
                 </a:r>
                 <a:r>
                   <a:rPr lang="en-US" altLang="ko-KR" dirty="0" smtClean="0"/>
-                  <a:t>)</a:t>
+                  <a:t>) </a:t>
                 </a:r>
-                <a:r>
-                  <a:rPr lang="en-US" altLang="ko-KR" dirty="0" smtClean="0"/>
-                  <a:t> </a:t>
-                </a:r>
-                <a:endParaRPr lang="en-US" altLang="ko-KR" dirty="0" smtClean="0"/>
               </a:p>
             </p:txBody>
           </p:sp>
         </mc:Choice>
-        <mc:Fallback>
+        <mc:Fallback xmlns="">
           <p:sp>
             <p:nvSpPr>
               <p:cNvPr id="3" name="내용 개체 틀 2"/>
@@ -5154,23 +6379,11 @@
           <a:p>
             <a:r>
               <a:rPr lang="ko-KR" altLang="en-US" dirty="0" smtClean="0"/>
-              <a:t>함수형 </a:t>
-            </a:r>
-            <a:r>
-              <a:rPr lang="ko-KR" altLang="en-US" dirty="0" smtClean="0"/>
-              <a:t>언어</a:t>
+              <a:t>함수형 언어</a:t>
             </a:r>
             <a:r>
               <a:rPr lang="en-US" altLang="ko-KR" dirty="0" smtClean="0"/>
-              <a:t>(Functional </a:t>
-            </a:r>
-            <a:r>
-              <a:rPr lang="en-US" altLang="ko-KR" dirty="0" smtClean="0"/>
-              <a:t>Language</a:t>
-            </a:r>
-            <a:r>
-              <a:rPr lang="en-US" altLang="ko-KR" dirty="0" smtClean="0"/>
-              <a:t>)</a:t>
+              <a:t>(Functional Language)</a:t>
             </a:r>
             <a:r>
               <a:rPr lang="ko-KR" altLang="en-US" dirty="0" smtClean="0"/>
@@ -5190,11 +6403,7 @@
             </a:r>
             <a:r>
               <a:rPr lang="en-US" altLang="ko-KR" dirty="0" smtClean="0"/>
-              <a:t>, </a:t>
-            </a:r>
-            <a:r>
-              <a:rPr lang="en-US" altLang="ko-KR" dirty="0" smtClean="0"/>
-              <a:t>LISP, Elm </a:t>
+              <a:t>, LISP, Elm </a:t>
             </a:r>
             <a:r>
               <a:rPr lang="ko-KR" altLang="en-US" dirty="0" smtClean="0"/>
@@ -5876,8 +7085,8 @@
           </a:p>
         </p:txBody>
       </p:sp>
-      <mc:AlternateContent xmlns:mc="http://schemas.openxmlformats.org/markup-compatibility/2006">
-        <mc:Choice xmlns:a14="http://schemas.microsoft.com/office/drawing/2010/main" Requires="a14">
+      <mc:AlternateContent xmlns:mc="http://schemas.openxmlformats.org/markup-compatibility/2006" xmlns:a14="http://schemas.microsoft.com/office/drawing/2010/main">
+        <mc:Choice Requires="a14">
           <p:sp>
             <p:nvSpPr>
               <p:cNvPr id="3" name="내용 개체 틀 2"/>
@@ -6027,7 +7236,7 @@
             </p:txBody>
           </p:sp>
         </mc:Choice>
-        <mc:Fallback>
+        <mc:Fallback xmlns="">
           <p:sp>
             <p:nvSpPr>
               <p:cNvPr id="3" name="내용 개체 틀 2"/>
@@ -6133,11 +7342,7 @@
             </a:r>
             <a:r>
               <a:rPr lang="ko-KR" altLang="en-US" sz="3200" b="1" dirty="0" smtClean="0"/>
-              <a:t>캡처 </a:t>
-            </a:r>
-            <a:r>
-              <a:rPr lang="ko-KR" altLang="en-US" sz="3200" b="1" dirty="0" smtClean="0"/>
-              <a:t>리스트</a:t>
+              <a:t>캡처 리스트</a:t>
             </a:r>
             <a:endParaRPr lang="en-US" altLang="ko-KR" sz="3200" b="1" dirty="0"/>
           </a:p>
@@ -6627,11 +7832,7 @@
             </a:r>
             <a:r>
               <a:rPr lang="ko-KR" altLang="en-US" sz="3200" b="1" dirty="0" smtClean="0"/>
-              <a:t>캡처 </a:t>
-            </a:r>
-            <a:r>
-              <a:rPr lang="ko-KR" altLang="en-US" sz="3200" b="1" dirty="0" smtClean="0"/>
-              <a:t>리스트</a:t>
+              <a:t>캡처 리스트</a:t>
             </a:r>
             <a:endParaRPr lang="en-US" altLang="ko-KR" sz="3200" b="1" dirty="0"/>
           </a:p>
@@ -7912,4 +9113,265 @@
     </a:ext>
   </a:extLst>
 </a:theme>
+</file>
+
+<file path=ppt/theme/theme2.xml><?xml version="1.0" encoding="utf-8"?>
+<a:theme xmlns:a="http://schemas.openxmlformats.org/drawingml/2006/main" name="Office 테마">
+  <a:themeElements>
+    <a:clrScheme name="Office">
+      <a:dk1>
+        <a:sysClr val="windowText" lastClr="000000"/>
+      </a:dk1>
+      <a:lt1>
+        <a:sysClr val="window" lastClr="FFFFFF"/>
+      </a:lt1>
+      <a:dk2>
+        <a:srgbClr val="44546A"/>
+      </a:dk2>
+      <a:lt2>
+        <a:srgbClr val="E7E6E6"/>
+      </a:lt2>
+      <a:accent1>
+        <a:srgbClr val="5B9BD5"/>
+      </a:accent1>
+      <a:accent2>
+        <a:srgbClr val="ED7D31"/>
+      </a:accent2>
+      <a:accent3>
+        <a:srgbClr val="A5A5A5"/>
+      </a:accent3>
+      <a:accent4>
+        <a:srgbClr val="FFC000"/>
+      </a:accent4>
+      <a:accent5>
+        <a:srgbClr val="4472C4"/>
+      </a:accent5>
+      <a:accent6>
+        <a:srgbClr val="70AD47"/>
+      </a:accent6>
+      <a:hlink>
+        <a:srgbClr val="0563C1"/>
+      </a:hlink>
+      <a:folHlink>
+        <a:srgbClr val="954F72"/>
+      </a:folHlink>
+    </a:clrScheme>
+    <a:fontScheme name="Office">
+      <a:majorFont>
+        <a:latin typeface="맑은 고딕" panose="020F0302020204030204"/>
+        <a:ea typeface=""/>
+        <a:cs typeface=""/>
+        <a:font script="Jpan" typeface="游ゴシック Light"/>
+        <a:font script="Hang" typeface="맑은 고딕"/>
+        <a:font script="Hans" typeface="等线 Light"/>
+        <a:font script="Hant" typeface="新細明體"/>
+        <a:font script="Arab" typeface="Times New Roman"/>
+        <a:font script="Hebr" typeface="Times New Roman"/>
+        <a:font script="Thai" typeface="Angsana New"/>
+        <a:font script="Ethi" typeface="Nyala"/>
+        <a:font script="Beng" typeface="Vrinda"/>
+        <a:font script="Gujr" typeface="Shruti"/>
+        <a:font script="Khmr" typeface="MoolBoran"/>
+        <a:font script="Knda" typeface="Tunga"/>
+        <a:font script="Guru" typeface="Raavi"/>
+        <a:font script="Cans" typeface="Euphemia"/>
+        <a:font script="Cher" typeface="Plantagenet Cherokee"/>
+        <a:font script="Yiii" typeface="Microsoft Yi Baiti"/>
+        <a:font script="Tibt" typeface="Microsoft Himalaya"/>
+        <a:font script="Thaa" typeface="MV Boli"/>
+        <a:font script="Deva" typeface="Mangal"/>
+        <a:font script="Telu" typeface="Gautami"/>
+        <a:font script="Taml" typeface="Latha"/>
+        <a:font script="Syrc" typeface="Estrangelo Edessa"/>
+        <a:font script="Orya" typeface="Kalinga"/>
+        <a:font script="Mlym" typeface="Kartika"/>
+        <a:font script="Laoo" typeface="DokChampa"/>
+        <a:font script="Sinh" typeface="Iskoola Pota"/>
+        <a:font script="Mong" typeface="Mongolian Baiti"/>
+        <a:font script="Viet" typeface="Times New Roman"/>
+        <a:font script="Uigh" typeface="Microsoft Uighur"/>
+        <a:font script="Geor" typeface="Sylfaen"/>
+      </a:majorFont>
+      <a:minorFont>
+        <a:latin typeface="맑은 고딕" panose="020F0502020204030204"/>
+        <a:ea typeface=""/>
+        <a:cs typeface=""/>
+        <a:font script="Jpan" typeface="游ゴシック"/>
+        <a:font script="Hang" typeface="맑은 고딕"/>
+        <a:font script="Hans" typeface="等线"/>
+        <a:font script="Hant" typeface="新細明體"/>
+        <a:font script="Arab" typeface="Arial"/>
+        <a:font script="Hebr" typeface="Arial"/>
+        <a:font script="Thai" typeface="Cordia New"/>
+        <a:font script="Ethi" typeface="Nyala"/>
+        <a:font script="Beng" typeface="Vrinda"/>
+        <a:font script="Gujr" typeface="Shruti"/>
+        <a:font script="Khmr" typeface="DaunPenh"/>
+        <a:font script="Knda" typeface="Tunga"/>
+        <a:font script="Guru" typeface="Raavi"/>
+        <a:font script="Cans" typeface="Euphemia"/>
+        <a:font script="Cher" typeface="Plantagenet Cherokee"/>
+        <a:font script="Yiii" typeface="Microsoft Yi Baiti"/>
+        <a:font script="Tibt" typeface="Microsoft Himalaya"/>
+        <a:font script="Thaa" typeface="MV Boli"/>
+        <a:font script="Deva" typeface="Mangal"/>
+        <a:font script="Telu" typeface="Gautami"/>
+        <a:font script="Taml" typeface="Latha"/>
+        <a:font script="Syrc" typeface="Estrangelo Edessa"/>
+        <a:font script="Orya" typeface="Kalinga"/>
+        <a:font script="Mlym" typeface="Kartika"/>
+        <a:font script="Laoo" typeface="DokChampa"/>
+        <a:font script="Sinh" typeface="Iskoola Pota"/>
+        <a:font script="Mong" typeface="Mongolian Baiti"/>
+        <a:font script="Viet" typeface="Arial"/>
+        <a:font script="Uigh" typeface="Microsoft Uighur"/>
+        <a:font script="Geor" typeface="Sylfaen"/>
+      </a:minorFont>
+    </a:fontScheme>
+    <a:fmtScheme name="Office">
+      <a:fillStyleLst>
+        <a:solidFill>
+          <a:schemeClr val="phClr"/>
+        </a:solidFill>
+        <a:gradFill rotWithShape="1">
+          <a:gsLst>
+            <a:gs pos="0">
+              <a:schemeClr val="phClr">
+                <a:lumMod val="110000"/>
+                <a:satMod val="105000"/>
+                <a:tint val="67000"/>
+              </a:schemeClr>
+            </a:gs>
+            <a:gs pos="50000">
+              <a:schemeClr val="phClr">
+                <a:lumMod val="105000"/>
+                <a:satMod val="103000"/>
+                <a:tint val="73000"/>
+              </a:schemeClr>
+            </a:gs>
+            <a:gs pos="100000">
+              <a:schemeClr val="phClr">
+                <a:lumMod val="105000"/>
+                <a:satMod val="109000"/>
+                <a:tint val="81000"/>
+              </a:schemeClr>
+            </a:gs>
+          </a:gsLst>
+          <a:lin ang="5400000" scaled="0"/>
+        </a:gradFill>
+        <a:gradFill rotWithShape="1">
+          <a:gsLst>
+            <a:gs pos="0">
+              <a:schemeClr val="phClr">
+                <a:satMod val="103000"/>
+                <a:lumMod val="102000"/>
+                <a:tint val="94000"/>
+              </a:schemeClr>
+            </a:gs>
+            <a:gs pos="50000">
+              <a:schemeClr val="phClr">
+                <a:satMod val="110000"/>
+                <a:lumMod val="100000"/>
+                <a:shade val="100000"/>
+              </a:schemeClr>
+            </a:gs>
+            <a:gs pos="100000">
+              <a:schemeClr val="phClr">
+                <a:lumMod val="99000"/>
+                <a:satMod val="120000"/>
+                <a:shade val="78000"/>
+              </a:schemeClr>
+            </a:gs>
+          </a:gsLst>
+          <a:lin ang="5400000" scaled="0"/>
+        </a:gradFill>
+      </a:fillStyleLst>
+      <a:lnStyleLst>
+        <a:ln w="6350" cap="flat" cmpd="sng" algn="ctr">
+          <a:solidFill>
+            <a:schemeClr val="phClr"/>
+          </a:solidFill>
+          <a:prstDash val="solid"/>
+          <a:miter lim="800000"/>
+        </a:ln>
+        <a:ln w="12700" cap="flat" cmpd="sng" algn="ctr">
+          <a:solidFill>
+            <a:schemeClr val="phClr"/>
+          </a:solidFill>
+          <a:prstDash val="solid"/>
+          <a:miter lim="800000"/>
+        </a:ln>
+        <a:ln w="19050" cap="flat" cmpd="sng" algn="ctr">
+          <a:solidFill>
+            <a:schemeClr val="phClr"/>
+          </a:solidFill>
+          <a:prstDash val="solid"/>
+          <a:miter lim="800000"/>
+        </a:ln>
+      </a:lnStyleLst>
+      <a:effectStyleLst>
+        <a:effectStyle>
+          <a:effectLst/>
+        </a:effectStyle>
+        <a:effectStyle>
+          <a:effectLst/>
+        </a:effectStyle>
+        <a:effectStyle>
+          <a:effectLst>
+            <a:outerShdw blurRad="57150" dist="19050" dir="5400000" algn="ctr" rotWithShape="0">
+              <a:srgbClr val="000000">
+                <a:alpha val="63000"/>
+              </a:srgbClr>
+            </a:outerShdw>
+          </a:effectLst>
+        </a:effectStyle>
+      </a:effectStyleLst>
+      <a:bgFillStyleLst>
+        <a:solidFill>
+          <a:schemeClr val="phClr"/>
+        </a:solidFill>
+        <a:solidFill>
+          <a:schemeClr val="phClr">
+            <a:tint val="95000"/>
+            <a:satMod val="170000"/>
+          </a:schemeClr>
+        </a:solidFill>
+        <a:gradFill rotWithShape="1">
+          <a:gsLst>
+            <a:gs pos="0">
+              <a:schemeClr val="phClr">
+                <a:tint val="93000"/>
+                <a:satMod val="150000"/>
+                <a:shade val="98000"/>
+                <a:lumMod val="102000"/>
+              </a:schemeClr>
+            </a:gs>
+            <a:gs pos="50000">
+              <a:schemeClr val="phClr">
+                <a:tint val="98000"/>
+                <a:satMod val="130000"/>
+                <a:shade val="90000"/>
+                <a:lumMod val="103000"/>
+              </a:schemeClr>
+            </a:gs>
+            <a:gs pos="100000">
+              <a:schemeClr val="phClr">
+                <a:shade val="63000"/>
+                <a:satMod val="120000"/>
+              </a:schemeClr>
+            </a:gs>
+          </a:gsLst>
+          <a:lin ang="5400000" scaled="0"/>
+        </a:gradFill>
+      </a:bgFillStyleLst>
+    </a:fmtScheme>
+  </a:themeElements>
+  <a:objectDefaults/>
+  <a:extraClrSchemeLst/>
+  <a:extLst>
+    <a:ext uri="{05A4C25C-085E-4340-85A3-A5531E510DB2}">
+      <thm15:themeFamily xmlns:thm15="http://schemas.microsoft.com/office/thememl/2012/main" name="Office Theme" id="{62F939B6-93AF-4DB8-9C6B-D6C7DFDC589F}" vid="{4A3C46E8-61CC-4603-A589-7422A47A8E4A}"/>
+    </a:ext>
+  </a:extLst>
+</a:theme>
 </file>
--- a/lambda/cpp/lambda_cpp.pptx
+++ b/lambda/cpp/lambda_cpp.pptx
@@ -4438,11 +4438,7 @@
             </a:r>
             <a:r>
               <a:rPr lang="ko-KR" altLang="en-US" sz="3200" b="1" dirty="0" smtClean="0"/>
-              <a:t>템플릿 함수의 </a:t>
-            </a:r>
-            <a:r>
-              <a:rPr lang="ko-KR" altLang="en-US" sz="3200" b="1" dirty="0" smtClean="0"/>
-              <a:t>인자</a:t>
+              <a:t>템플릿 함수의 인자</a:t>
             </a:r>
             <a:r>
               <a:rPr lang="en-US" altLang="ko-KR" sz="3200" b="1" dirty="0" smtClean="0"/>
@@ -4586,7 +4582,7 @@
                   <a:srgbClr val="FF0000"/>
                 </a:solidFill>
               </a:rPr>
-              <a:t>[] (</a:t>
+              <a:t>[</a:t>
             </a:r>
             <a:r>
               <a:rPr lang="en-US" altLang="ko-KR" dirty="0" err="1" smtClean="0">
@@ -4594,6 +4590,30 @@
                   <a:srgbClr val="FF0000"/>
                 </a:solidFill>
               </a:rPr>
+              <a:t>sz</a:t>
+            </a:r>
+            <a:r>
+              <a:rPr lang="en-US" altLang="ko-KR" dirty="0" smtClean="0">
+                <a:solidFill>
+                  <a:srgbClr val="FF0000"/>
+                </a:solidFill>
+              </a:rPr>
+              <a:t>] </a:t>
+            </a:r>
+            <a:r>
+              <a:rPr lang="en-US" altLang="ko-KR" dirty="0" smtClean="0">
+                <a:solidFill>
+                  <a:srgbClr val="FF0000"/>
+                </a:solidFill>
+              </a:rPr>
+              <a:t>(</a:t>
+            </a:r>
+            <a:r>
+              <a:rPr lang="en-US" altLang="ko-KR" dirty="0" err="1" smtClean="0">
+                <a:solidFill>
+                  <a:srgbClr val="FF0000"/>
+                </a:solidFill>
+              </a:rPr>
               <a:t>const</a:t>
             </a:r>
             <a:r>
@@ -4618,15 +4638,7 @@
                   <a:srgbClr val="FF0000"/>
                 </a:solidFill>
               </a:rPr>
-              <a:t> string&amp; s2) { return s1 &gt; s2; </a:t>
-            </a:r>
-            <a:r>
-              <a:rPr lang="en-US" altLang="ko-KR" dirty="0" smtClean="0">
-                <a:solidFill>
-                  <a:srgbClr val="FF0000"/>
-                </a:solidFill>
-              </a:rPr>
-              <a:t>}</a:t>
+              <a:t> string&amp; s2) { return s1 &gt; s2; }</a:t>
             </a:r>
             <a:r>
               <a:rPr lang="en-US" altLang="ko-KR" dirty="0" smtClean="0">
@@ -4796,16 +4808,7 @@
                 </a:solidFill>
                 <a:sym typeface="Wingdings" panose="05000000000000000000" pitchFamily="2" charset="2"/>
               </a:rPr>
-              <a:t>   </a:t>
-            </a:r>
-            <a:r>
-              <a:rPr lang="en-US" altLang="ko-KR" dirty="0" smtClean="0">
-                <a:solidFill>
-                  <a:schemeClr val="tx1"/>
-                </a:solidFill>
-                <a:sym typeface="Wingdings" panose="05000000000000000000" pitchFamily="2" charset="2"/>
-              </a:rPr>
-              <a:t>{ return s1 &gt; s2; }</a:t>
+              <a:t>   { return s1 &gt; s2; }</a:t>
             </a:r>
           </a:p>
           <a:p>
@@ -4967,7 +4970,63 @@
                   <a:schemeClr val="tx1"/>
                 </a:solidFill>
               </a:rPr>
-              <a:t> //      p();</a:t>
+              <a:t> //      </a:t>
+            </a:r>
+            <a:r>
+              <a:rPr lang="en-US" altLang="ko-KR" dirty="0" smtClean="0">
+                <a:solidFill>
+                  <a:schemeClr val="tx1"/>
+                </a:solidFill>
+              </a:rPr>
+              <a:t>(*p)(“</a:t>
+            </a:r>
+            <a:r>
+              <a:rPr lang="en-US" altLang="ko-KR" dirty="0" err="1" smtClean="0">
+                <a:solidFill>
+                  <a:schemeClr val="tx1"/>
+                </a:solidFill>
+              </a:rPr>
+              <a:t>abc</a:t>
+            </a:r>
+            <a:r>
+              <a:rPr lang="en-US" altLang="ko-KR" dirty="0" smtClean="0">
+                <a:solidFill>
+                  <a:schemeClr val="tx1"/>
+                </a:solidFill>
+              </a:rPr>
+              <a:t>”, “</a:t>
+            </a:r>
+            <a:r>
+              <a:rPr lang="en-US" altLang="ko-KR" dirty="0" err="1" smtClean="0">
+                <a:solidFill>
+                  <a:schemeClr val="tx1"/>
+                </a:solidFill>
+              </a:rPr>
+              <a:t>def</a:t>
+            </a:r>
+            <a:r>
+              <a:rPr lang="en-US" altLang="ko-KR" dirty="0" smtClean="0">
+                <a:solidFill>
+                  <a:schemeClr val="tx1"/>
+                </a:solidFill>
+              </a:rPr>
+              <a:t> </a:t>
+            </a:r>
+            <a:r>
+              <a:rPr lang="en-US" altLang="ko-KR" dirty="0" err="1" smtClean="0">
+                <a:solidFill>
+                  <a:schemeClr val="tx1"/>
+                </a:solidFill>
+              </a:rPr>
+              <a:t>ghi</a:t>
+            </a:r>
+            <a:r>
+              <a:rPr lang="en-US" altLang="ko-KR" dirty="0" smtClean="0">
+                <a:solidFill>
+                  <a:schemeClr val="tx1"/>
+                </a:solidFill>
+              </a:rPr>
+              <a:t>”);</a:t>
             </a:r>
             <a:endParaRPr lang="en-US" altLang="ko-KR" dirty="0">
               <a:solidFill>
@@ -5307,7 +5366,23 @@
                   <a:schemeClr val="tx1"/>
                 </a:solidFill>
               </a:rPr>
-              <a:t>	return [=] (</a:t>
+              <a:t>	return </a:t>
+            </a:r>
+            <a:r>
+              <a:rPr lang="en-US" altLang="ko-KR" dirty="0" smtClean="0">
+                <a:solidFill>
+                  <a:schemeClr val="tx1"/>
+                </a:solidFill>
+              </a:rPr>
+              <a:t>[x] </a:t>
+            </a:r>
+            <a:r>
+              <a:rPr lang="en-US" altLang="ko-KR" dirty="0" smtClean="0">
+                <a:solidFill>
+                  <a:schemeClr val="tx1"/>
+                </a:solidFill>
+              </a:rPr>
+              <a:t>(</a:t>
             </a:r>
             <a:r>
               <a:rPr lang="en-US" altLang="ko-KR" dirty="0" err="1" smtClean="0">
@@ -5323,18 +5398,73 @@
                   <a:schemeClr val="tx1"/>
                 </a:solidFill>
               </a:rPr>
+              <a:t> y) { return x + y; </a:t>
+            </a:r>
+            <a:r>
+              <a:rPr lang="en-US" altLang="ko-KR" dirty="0" smtClean="0">
+                <a:solidFill>
+                  <a:schemeClr val="tx1"/>
+                </a:solidFill>
+              </a:rPr>
+              <a:t>}; </a:t>
+            </a:r>
+          </a:p>
+          <a:p>
+            <a:r>
+              <a:rPr lang="en-US" altLang="ko-KR" dirty="0" smtClean="0">
+                <a:solidFill>
+                  <a:schemeClr val="tx1"/>
+                </a:solidFill>
+              </a:rPr>
+              <a:t>	};</a:t>
+            </a:r>
+          </a:p>
+          <a:p>
+            <a:r>
+              <a:rPr lang="en-US" altLang="ko-KR" dirty="0" smtClean="0">
+                <a:solidFill>
+                  <a:schemeClr val="tx1"/>
+                </a:solidFill>
+              </a:rPr>
+              <a:t>// cf. auto f = [] (</a:t>
+            </a:r>
+            <a:r>
+              <a:rPr lang="en-US" altLang="ko-KR" dirty="0" err="1" smtClean="0">
+                <a:solidFill>
+                  <a:schemeClr val="tx1"/>
+                </a:solidFill>
+              </a:rPr>
+              <a:t>int</a:t>
+            </a:r>
+            <a:r>
+              <a:rPr lang="en-US" altLang="ko-KR" dirty="0" smtClean="0">
+                <a:solidFill>
+                  <a:schemeClr val="tx1"/>
+                </a:solidFill>
+              </a:rPr>
+              <a:t> x, </a:t>
+            </a:r>
+            <a:r>
+              <a:rPr lang="en-US" altLang="ko-KR" dirty="0" err="1" smtClean="0">
+                <a:solidFill>
+                  <a:schemeClr val="tx1"/>
+                </a:solidFill>
+              </a:rPr>
+              <a:t>int</a:t>
+            </a:r>
+            <a:r>
+              <a:rPr lang="en-US" altLang="ko-KR" dirty="0" smtClean="0">
+                <a:solidFill>
+                  <a:schemeClr val="tx1"/>
+                </a:solidFill>
+              </a:rPr>
               <a:t> y) { return x + y; };</a:t>
             </a:r>
-          </a:p>
-          <a:p>
-            <a:r>
-              <a:rPr lang="en-US" altLang="ko-KR" dirty="0" smtClean="0">
-                <a:solidFill>
-                  <a:schemeClr val="tx1"/>
-                </a:solidFill>
-              </a:rPr>
-              <a:t>	};</a:t>
-            </a:r>
+            <a:endParaRPr lang="en-US" altLang="ko-KR" dirty="0" smtClean="0">
+              <a:solidFill>
+                <a:schemeClr val="tx1"/>
+              </a:solidFill>
+            </a:endParaRPr>
           </a:p>
           <a:p>
             <a:r>
@@ -5878,8 +6008,8 @@
           </a:p>
         </p:txBody>
       </p:sp>
-      <mc:AlternateContent xmlns:mc="http://schemas.openxmlformats.org/markup-compatibility/2006" xmlns:a14="http://schemas.microsoft.com/office/drawing/2010/main">
-        <mc:Choice Requires="a14">
+      <mc:AlternateContent xmlns:mc="http://schemas.openxmlformats.org/markup-compatibility/2006">
+        <mc:Choice xmlns:a14="http://schemas.microsoft.com/office/drawing/2010/main" Requires="a14">
           <p:sp>
             <p:nvSpPr>
               <p:cNvPr id="3" name="내용 개체 틀 2"/>
@@ -5898,7 +6028,7 @@
               <a:lstStyle/>
               <a:p>
                 <a:r>
-                  <a:rPr lang="ko-KR" altLang="en-US" dirty="0"/>
+                  <a:rPr lang="ko-KR" altLang="en-US" dirty="0" smtClean="0"/>
                   <a:t>람다 계산법 </a:t>
                 </a:r>
                 <a:r>
@@ -6103,10 +6233,56 @@
                           <a:rPr lang="en-US" altLang="ko-KR" i="1">
                             <a:latin typeface="Cambria Math" panose="02040503050406030204" pitchFamily="18" charset="0"/>
                           </a:rPr>
-                          <m:t> (1+2)</m:t>
+                          <m:t> </m:t>
                         </m:r>
+                        <m:d>
+                          <m:dPr>
+                            <m:ctrlPr>
+                              <a:rPr lang="en-US" altLang="ko-KR" i="1">
+                                <a:latin typeface="Cambria Math" panose="02040503050406030204" pitchFamily="18" charset="0"/>
+                              </a:rPr>
+                            </m:ctrlPr>
+                          </m:dPr>
+                          <m:e>
+                            <m:r>
+                              <a:rPr lang="en-US" altLang="ko-KR" i="1">
+                                <a:latin typeface="Cambria Math" panose="02040503050406030204" pitchFamily="18" charset="0"/>
+                              </a:rPr>
+                              <m:t>1+2</m:t>
+                            </m:r>
+                          </m:e>
+                        </m:d>
+                        <m:r>
+                          <a:rPr lang="en-US" altLang="ko-KR" b="0" i="1" smtClean="0">
+                            <a:latin typeface="Cambria Math" panose="02040503050406030204" pitchFamily="18" charset="0"/>
+                          </a:rPr>
+                          <m:t> </m:t>
+                        </m:r>
+                        <m:d>
+                          <m:dPr>
+                            <m:ctrlPr>
+                              <a:rPr lang="en-US" altLang="ko-KR" b="0" i="1" smtClean="0">
+                                <a:latin typeface="Cambria Math" panose="02040503050406030204" pitchFamily="18" charset="0"/>
+                              </a:rPr>
+                            </m:ctrlPr>
+                          </m:dPr>
+                          <m:e>
+                            <m:r>
+                              <a:rPr lang="en-US" altLang="ko-KR" b="0" i="1" smtClean="0">
+                                <a:latin typeface="Cambria Math" panose="02040503050406030204" pitchFamily="18" charset="0"/>
+                              </a:rPr>
+                              <m:t>1+2</m:t>
+                            </m:r>
+                          </m:e>
+                        </m:d>
                       </m:e>
                     </m:d>
+                    <m:r>
+                      <a:rPr lang="en-US" altLang="ko-KR" b="0" i="1" smtClean="0">
+                        <a:latin typeface="Cambria Math" panose="02040503050406030204" pitchFamily="18" charset="0"/>
+                      </a:rPr>
+                      <m:t> </m:t>
+                    </m:r>
                     <m:r>
                       <a:rPr lang="en-US" altLang="ko-KR" i="1">
                         <a:latin typeface="Cambria Math" panose="02040503050406030204" pitchFamily="18" charset="0"/>
@@ -6156,7 +6332,7 @@
                       <m:t>𝑦</m:t>
                     </m:r>
                     <m:r>
-                      <a:rPr lang="en-US" altLang="ko-KR" i="1">
+                      <a:rPr lang="en-US" altLang="ko-KR" b="0" i="1" smtClean="0">
                         <a:latin typeface="Cambria Math" panose="02040503050406030204" pitchFamily="18" charset="0"/>
                       </a:rPr>
                       <m:t>+</m:t>
@@ -6199,7 +6375,7 @@
             </p:txBody>
           </p:sp>
         </mc:Choice>
-        <mc:Fallback xmlns="">
+        <mc:Fallback>
           <p:sp>
             <p:nvSpPr>
               <p:cNvPr id="3" name="내용 개체 틀 2"/>
@@ -6214,7 +6390,7 @@
               <a:blipFill>
                 <a:blip r:embed="rId2"/>
                 <a:stretch>
-                  <a:fillRect l="-1391" t="-2661" r="-464" b="-16106"/>
+                  <a:fillRect l="-1391" t="-2661" r="-464" b="-16947"/>
                 </a:stretch>
               </a:blipFill>
             </p:spPr>
@@ -6445,8 +6621,17 @@
             <a:pPr lvl="1"/>
             <a:r>
               <a:rPr lang="en-US" altLang="ko-KR" dirty="0" smtClean="0"/>
-              <a:t>JavaScript(ES2015)</a:t>
-            </a:r>
+              <a:t>JavaScript(ES2015</a:t>
+            </a:r>
+            <a:r>
+              <a:rPr lang="en-US" altLang="ko-KR" dirty="0" smtClean="0"/>
+              <a:t>), </a:t>
+            </a:r>
+            <a:r>
+              <a:rPr lang="en-US" altLang="ko-KR" dirty="0" smtClean="0"/>
+              <a:t>Python (???)</a:t>
+            </a:r>
+            <a:endParaRPr lang="en-US" altLang="ko-KR" dirty="0" smtClean="0"/>
           </a:p>
           <a:p>
             <a:pPr lvl="1"/>
